--- a/Project/🔍 ML-Aided Scan Chain Fault Prediction using Verilog.pptx
+++ b/Project/🔍 ML-Aided Scan Chain Fault Prediction using Verilog.pptx
@@ -3379,7 +3379,7 @@
         </p:nvSpPr>
         <p:spPr>
           <a:xfrm>
-            <a:off x="152400" y="1404257"/>
+            <a:off x="163974" y="1210347"/>
             <a:ext cx="9383486" cy="4550229"/>
           </a:xfrm>
         </p:spPr>
@@ -3396,21 +3396,23 @@
               <a:rPr lang="en-US" sz="6400" b="1" dirty="0"/>
               <a:t>What are you trying to do?</a:t>
             </a:r>
-            <a:br>
+          </a:p>
+          <a:p>
+            <a:pPr>
+              <a:buNone/>
+            </a:pPr>
+            <a:r>
               <a:rPr lang="en-US" sz="6400" dirty="0"/>
-            </a:br>
+              <a:t>Predict scan chain output response under injected faults  </a:t>
+            </a:r>
+          </a:p>
+          <a:p>
+            <a:pPr>
+              <a:buNone/>
+            </a:pPr>
             <a:r>
               <a:rPr lang="en-US" sz="6400" dirty="0"/>
-              <a:t>Predict scan chain output response under injected faults     </a:t>
-            </a:r>
-          </a:p>
-          <a:p>
-            <a:pPr>
-              <a:buNone/>
-            </a:pPr>
-            <a:r>
-              <a:rPr lang="en-US" sz="6400" dirty="0"/>
-              <a:t> a trained ML model.</a:t>
+              <a:t>a trained  ML model.</a:t>
             </a:r>
           </a:p>
           <a:p>
@@ -3480,7 +3482,7 @@
             </a:pPr>
             <a:r>
               <a:rPr lang="en-US" sz="6400" dirty="0"/>
-              <a:t>Training a Decision Tree Classifier using scan pattern bits &amp; </a:t>
+              <a:t>Training a Decision Tree Classifier using scan pattern bits &amp;  </a:t>
             </a:r>
           </a:p>
           <a:p>
@@ -3489,7 +3491,7 @@
             </a:pPr>
             <a:r>
               <a:rPr lang="en-US" sz="6400" dirty="0"/>
-              <a:t>    fault info</a:t>
+              <a:t>      fault info</a:t>
             </a:r>
           </a:p>
           <a:p>
@@ -3519,7 +3521,7 @@
             </a:pPr>
             <a:r>
               <a:rPr lang="en-US" sz="6400" dirty="0"/>
-              <a:t>Simulated 8-bit scan chain in Verilog with a stuck-at-0 fault at </a:t>
+              <a:t>Simulated 8-bit scan chain in Verilog with a stuck-at-0 </a:t>
             </a:r>
           </a:p>
           <a:p>
@@ -3528,7 +3530,7 @@
             </a:pPr>
             <a:r>
               <a:rPr lang="en-US" sz="6400" dirty="0"/>
-              <a:t>     bit 3</a:t>
+              <a:t>     fault at bit 3</a:t>
             </a:r>
           </a:p>
           <a:p>
@@ -3588,7 +3590,7 @@
         </p:nvSpPr>
         <p:spPr>
           <a:xfrm>
-            <a:off x="7532914" y="1556657"/>
+            <a:off x="6907882" y="1556657"/>
             <a:ext cx="4659086" cy="1815882"/>
           </a:xfrm>
           <a:prstGeom prst="rect">
